--- a/TX-LCN-SpringCloud.pptx
+++ b/TX-LCN-SpringCloud.pptx
@@ -247,7 +247,7 @@
           <a:p>
             <a:fld id="{D997B5FA-0921-464F-AAE1-844C04324D75}" type="datetimeFigureOut">
               <a:rPr lang="zh-CN" altLang="en-US" smtClean="0"/>
-              <a:t>2019/2/12</a:t>
+              <a:t>2019/2/13</a:t>
             </a:fld>
             <a:endParaRPr lang="zh-CN" altLang="en-US"/>
           </a:p>
@@ -410,7 +410,7 @@
           <a:p>
             <a:fld id="{D997B5FA-0921-464F-AAE1-844C04324D75}" type="datetimeFigureOut">
               <a:rPr lang="zh-CN" altLang="en-US" smtClean="0"/>
-              <a:t>2019/2/12</a:t>
+              <a:t>2019/2/13</a:t>
             </a:fld>
             <a:endParaRPr lang="zh-CN" altLang="en-US"/>
           </a:p>
@@ -583,7 +583,7 @@
           <a:p>
             <a:fld id="{D997B5FA-0921-464F-AAE1-844C04324D75}" type="datetimeFigureOut">
               <a:rPr lang="zh-CN" altLang="en-US" smtClean="0"/>
-              <a:t>2019/2/12</a:t>
+              <a:t>2019/2/13</a:t>
             </a:fld>
             <a:endParaRPr lang="zh-CN" altLang="en-US"/>
           </a:p>
@@ -746,7 +746,7 @@
           <a:p>
             <a:fld id="{D997B5FA-0921-464F-AAE1-844C04324D75}" type="datetimeFigureOut">
               <a:rPr lang="zh-CN" altLang="en-US" smtClean="0"/>
-              <a:t>2019/2/12</a:t>
+              <a:t>2019/2/13</a:t>
             </a:fld>
             <a:endParaRPr lang="zh-CN" altLang="en-US"/>
           </a:p>
@@ -986,7 +986,7 @@
           <a:p>
             <a:fld id="{D997B5FA-0921-464F-AAE1-844C04324D75}" type="datetimeFigureOut">
               <a:rPr lang="zh-CN" altLang="en-US" smtClean="0"/>
-              <a:t>2019/2/12</a:t>
+              <a:t>2019/2/13</a:t>
             </a:fld>
             <a:endParaRPr lang="zh-CN" altLang="en-US"/>
           </a:p>
@@ -1210,7 +1210,7 @@
           <a:p>
             <a:fld id="{D997B5FA-0921-464F-AAE1-844C04324D75}" type="datetimeFigureOut">
               <a:rPr lang="zh-CN" altLang="en-US" smtClean="0"/>
-              <a:t>2019/2/12</a:t>
+              <a:t>2019/2/13</a:t>
             </a:fld>
             <a:endParaRPr lang="zh-CN" altLang="en-US"/>
           </a:p>
@@ -1569,7 +1569,7 @@
           <a:p>
             <a:fld id="{D997B5FA-0921-464F-AAE1-844C04324D75}" type="datetimeFigureOut">
               <a:rPr lang="zh-CN" altLang="en-US" smtClean="0"/>
-              <a:t>2019/2/12</a:t>
+              <a:t>2019/2/13</a:t>
             </a:fld>
             <a:endParaRPr lang="zh-CN" altLang="en-US"/>
           </a:p>
@@ -1681,7 +1681,7 @@
           <a:p>
             <a:fld id="{D997B5FA-0921-464F-AAE1-844C04324D75}" type="datetimeFigureOut">
               <a:rPr lang="zh-CN" altLang="en-US" smtClean="0"/>
-              <a:t>2019/2/12</a:t>
+              <a:t>2019/2/13</a:t>
             </a:fld>
             <a:endParaRPr lang="zh-CN" altLang="en-US"/>
           </a:p>
@@ -1771,7 +1771,7 @@
           <a:p>
             <a:fld id="{D997B5FA-0921-464F-AAE1-844C04324D75}" type="datetimeFigureOut">
               <a:rPr lang="zh-CN" altLang="en-US" smtClean="0"/>
-              <a:t>2019/2/12</a:t>
+              <a:t>2019/2/13</a:t>
             </a:fld>
             <a:endParaRPr lang="zh-CN" altLang="en-US"/>
           </a:p>
@@ -2041,7 +2041,7 @@
           <a:p>
             <a:fld id="{D997B5FA-0921-464F-AAE1-844C04324D75}" type="datetimeFigureOut">
               <a:rPr lang="zh-CN" altLang="en-US" smtClean="0"/>
-              <a:t>2019/2/12</a:t>
+              <a:t>2019/2/13</a:t>
             </a:fld>
             <a:endParaRPr lang="zh-CN" altLang="en-US"/>
           </a:p>
@@ -2288,7 +2288,7 @@
           <a:p>
             <a:fld id="{D997B5FA-0921-464F-AAE1-844C04324D75}" type="datetimeFigureOut">
               <a:rPr lang="zh-CN" altLang="en-US" smtClean="0"/>
-              <a:t>2019/2/12</a:t>
+              <a:t>2019/2/13</a:t>
             </a:fld>
             <a:endParaRPr lang="zh-CN" altLang="en-US"/>
           </a:p>
@@ -2494,7 +2494,7 @@
           <a:p>
             <a:fld id="{D997B5FA-0921-464F-AAE1-844C04324D75}" type="datetimeFigureOut">
               <a:rPr lang="zh-CN" altLang="en-US" smtClean="0"/>
-              <a:t>2019/2/12</a:t>
+              <a:t>2019/2/13</a:t>
             </a:fld>
             <a:endParaRPr lang="zh-CN" altLang="en-US"/>
           </a:p>
@@ -2937,7 +2937,11 @@
           <a:p>
             <a:r>
               <a:rPr lang="en-US" altLang="zh-CN"/>
-              <a:t>CondingApi - Lorne</a:t>
+              <a:t>CodingApi</a:t>
+            </a:r>
+            <a:r>
+              <a:rPr lang="en-US" altLang="zh-CN" dirty="0"/>
+              <a:t> - Lorne</a:t>
             </a:r>
           </a:p>
         </p:txBody>
